--- a/Documentazione.pptx
+++ b/Documentazione.pptx
@@ -18877,7 +18877,7 @@
                 <a:cs typeface="Calibri"/>
                 <a:sym typeface="Calibri"/>
               </a:rPr>
-              <a:t>furstStep</a:t>
+              <a:t>firstStep</a:t>
             </a:r>
             <a:endParaRPr sz="1400" dirty="0">
               <a:solidFill>
@@ -21499,7 +21499,7 @@
         </p:nvSpPr>
         <p:spPr>
           <a:xfrm>
-            <a:off x="1807053" y="3352003"/>
+            <a:off x="1798657" y="3374880"/>
             <a:ext cx="3789863" cy="276742"/>
           </a:xfrm>
           <a:prstGeom prst="rect">
@@ -21577,7 +21577,46 @@
               </a:rPr>
               <a:t>]</a:t>
             </a:r>
-            <a:endParaRPr sz="1400" dirty="0">
+          </a:p>
+          <a:p>
+            <a:pPr algn="ctr"/>
+            <a:r>
+              <a:rPr lang="it-IT" sz="1400" dirty="0" err="1">
+                <a:solidFill>
+                  <a:schemeClr val="dk1"/>
+                </a:solidFill>
+                <a:latin typeface="Calibri"/>
+                <a:ea typeface="Calibri"/>
+                <a:cs typeface="Calibri"/>
+                <a:sym typeface="Calibri"/>
+              </a:rPr>
+              <a:t>step</a:t>
+            </a:r>
+            <a:r>
+              <a:rPr lang="it-IT" sz="1400" dirty="0">
+                <a:solidFill>
+                  <a:schemeClr val="dk1"/>
+                </a:solidFill>
+                <a:latin typeface="Calibri"/>
+                <a:ea typeface="Calibri"/>
+                <a:cs typeface="Calibri"/>
+                <a:sym typeface="Calibri"/>
+              </a:rPr>
+              <a:t>=</a:t>
+            </a:r>
+            <a:r>
+              <a:rPr lang="it-IT" sz="1400" dirty="0" err="1">
+                <a:solidFill>
+                  <a:schemeClr val="dk1"/>
+                </a:solidFill>
+                <a:latin typeface="Calibri"/>
+                <a:ea typeface="Calibri"/>
+                <a:cs typeface="Calibri"/>
+                <a:sym typeface="Calibri"/>
+              </a:rPr>
+              <a:t>secondStep</a:t>
+            </a:r>
+            <a:endParaRPr lang="it-IT" sz="1400" dirty="0">
               <a:solidFill>
                 <a:schemeClr val="dk1"/>
               </a:solidFill>
@@ -22504,8 +22543,8 @@
         </p:nvSpPr>
         <p:spPr>
           <a:xfrm>
-            <a:off x="2022624" y="1978265"/>
-            <a:ext cx="1489319" cy="276742"/>
+            <a:off x="1970228" y="1978265"/>
+            <a:ext cx="1541715" cy="276742"/>
           </a:xfrm>
           <a:prstGeom prst="rect">
             <a:avLst/>
@@ -22533,6 +22572,18 @@
                 <a:sym typeface="Calibri"/>
               </a:rPr>
               <a:t>maxPartecipants</a:t>
+            </a:r>
+            <a:r>
+              <a:rPr lang="it-IT" sz="1400" dirty="0">
+                <a:solidFill>
+                  <a:schemeClr val="dk1"/>
+                </a:solidFill>
+                <a:latin typeface="Calibri"/>
+                <a:ea typeface="Calibri"/>
+                <a:cs typeface="Calibri"/>
+                <a:sym typeface="Calibri"/>
+              </a:rPr>
+              <a:t>?</a:t>
             </a:r>
             <a:endParaRPr sz="1400" dirty="0">
               <a:solidFill>
@@ -26837,7 +26888,7 @@
           <a:p>
             <a:r>
               <a:rPr lang="it-IT" dirty="0"/>
-              <a:t>0:N</a:t>
+              <a:t>1:N</a:t>
             </a:r>
           </a:p>
         </p:txBody>

--- a/Documentazione.pptx
+++ b/Documentazione.pptx
@@ -570,6 +570,90 @@
 </p:notes>
 </file>
 
+<file path=ppt/notesSlides/notesSlide10.xml><?xml version="1.0" encoding="utf-8"?>
+<p:notes xmlns:a="http://schemas.openxmlformats.org/drawingml/2006/main" xmlns:r="http://schemas.openxmlformats.org/officeDocument/2006/relationships" xmlns:p="http://schemas.openxmlformats.org/presentationml/2006/main">
+  <p:cSld>
+    <p:spTree>
+      <p:nvGrpSpPr>
+        <p:cNvPr id="1" name=""/>
+        <p:cNvGrpSpPr/>
+        <p:nvPr/>
+      </p:nvGrpSpPr>
+      <p:grpSpPr>
+        <a:xfrm>
+          <a:off x="0" y="0"/>
+          <a:ext cx="0" cy="0"/>
+          <a:chOff x="0" y="0"/>
+          <a:chExt cx="0" cy="0"/>
+        </a:xfrm>
+      </p:grpSpPr>
+      <p:sp>
+        <p:nvSpPr>
+          <p:cNvPr id="2" name="Segnaposto immagine diapositiva 1"/>
+          <p:cNvSpPr>
+            <a:spLocks noGrp="1" noRot="1" noChangeAspect="1"/>
+          </p:cNvSpPr>
+          <p:nvPr>
+            <p:ph type="sldImg"/>
+          </p:nvPr>
+        </p:nvSpPr>
+        <p:spPr/>
+      </p:sp>
+      <p:sp>
+        <p:nvSpPr>
+          <p:cNvPr id="3" name="Segnaposto note 2"/>
+          <p:cNvSpPr>
+            <a:spLocks noGrp="1"/>
+          </p:cNvSpPr>
+          <p:nvPr>
+            <p:ph type="body" idx="1"/>
+          </p:nvPr>
+        </p:nvSpPr>
+        <p:spPr/>
+        <p:txBody>
+          <a:bodyPr/>
+          <a:lstStyle/>
+          <a:p>
+            <a:endParaRPr lang="it-IT" dirty="0"/>
+          </a:p>
+        </p:txBody>
+      </p:sp>
+      <p:sp>
+        <p:nvSpPr>
+          <p:cNvPr id="4" name="Segnaposto numero diapositiva 3"/>
+          <p:cNvSpPr>
+            <a:spLocks noGrp="1"/>
+          </p:cNvSpPr>
+          <p:nvPr>
+            <p:ph type="sldNum" sz="quarter" idx="5"/>
+          </p:nvPr>
+        </p:nvSpPr>
+        <p:spPr/>
+        <p:txBody>
+          <a:bodyPr/>
+          <a:lstStyle/>
+          <a:p>
+            <a:fld id="{F1494FE8-C3A5-1D49-9777-C117519B47D9}" type="slidenum">
+              <a:rPr lang="it-IT" smtClean="0"/>
+              <a:t>20</a:t>
+            </a:fld>
+            <a:endParaRPr lang="it-IT"/>
+          </a:p>
+        </p:txBody>
+      </p:sp>
+    </p:spTree>
+    <p:extLst>
+      <p:ext uri="{BB962C8B-B14F-4D97-AF65-F5344CB8AC3E}">
+        <p14:creationId xmlns:p14="http://schemas.microsoft.com/office/powerpoint/2010/main" val="2867970266"/>
+      </p:ext>
+    </p:extLst>
+  </p:cSld>
+  <p:clrMapOvr>
+    <a:masterClrMapping/>
+  </p:clrMapOvr>
+</p:notes>
+</file>
+
 <file path=ppt/notesSlides/notesSlide2.xml><?xml version="1.0" encoding="utf-8"?>
 <p:notes xmlns:a="http://schemas.openxmlformats.org/drawingml/2006/main" xmlns:r="http://schemas.openxmlformats.org/officeDocument/2006/relationships" xmlns:p="http://schemas.openxmlformats.org/presentationml/2006/main">
   <p:cSld>
@@ -719,7 +803,7 @@
           <a:p>
             <a:fld id="{F1494FE8-C3A5-1D49-9777-C117519B47D9}" type="slidenum">
               <a:rPr lang="it-IT" smtClean="0"/>
-              <a:t>8</a:t>
+              <a:t>6</a:t>
             </a:fld>
             <a:endParaRPr lang="it-IT"/>
           </a:p>
@@ -728,7 +812,7 @@
     </p:spTree>
     <p:extLst>
       <p:ext uri="{BB962C8B-B14F-4D97-AF65-F5344CB8AC3E}">
-        <p14:creationId xmlns:p14="http://schemas.microsoft.com/office/powerpoint/2010/main" val="2512402166"/>
+        <p14:creationId xmlns:p14="http://schemas.microsoft.com/office/powerpoint/2010/main" val="1486071828"/>
       </p:ext>
     </p:extLst>
   </p:cSld>
@@ -803,7 +887,7 @@
           <a:p>
             <a:fld id="{F1494FE8-C3A5-1D49-9777-C117519B47D9}" type="slidenum">
               <a:rPr lang="it-IT" smtClean="0"/>
-              <a:t>9</a:t>
+              <a:t>8</a:t>
             </a:fld>
             <a:endParaRPr lang="it-IT"/>
           </a:p>
@@ -812,7 +896,7 @@
     </p:spTree>
     <p:extLst>
       <p:ext uri="{BB962C8B-B14F-4D97-AF65-F5344CB8AC3E}">
-        <p14:creationId xmlns:p14="http://schemas.microsoft.com/office/powerpoint/2010/main" val="4025473026"/>
+        <p14:creationId xmlns:p14="http://schemas.microsoft.com/office/powerpoint/2010/main" val="2512402166"/>
       </p:ext>
     </p:extLst>
   </p:cSld>
@@ -868,9 +952,6 @@
           <a:p>
             <a:endParaRPr lang="it-IT" dirty="0"/>
           </a:p>
-          <a:p>
-            <a:endParaRPr lang="it-IT" dirty="0"/>
-          </a:p>
         </p:txBody>
       </p:sp>
       <p:sp>
@@ -890,7 +971,7 @@
           <a:p>
             <a:fld id="{F1494FE8-C3A5-1D49-9777-C117519B47D9}" type="slidenum">
               <a:rPr lang="it-IT" smtClean="0"/>
-              <a:t>10</a:t>
+              <a:t>9</a:t>
             </a:fld>
             <a:endParaRPr lang="it-IT"/>
           </a:p>
@@ -899,7 +980,7 @@
     </p:spTree>
     <p:extLst>
       <p:ext uri="{BB962C8B-B14F-4D97-AF65-F5344CB8AC3E}">
-        <p14:creationId xmlns:p14="http://schemas.microsoft.com/office/powerpoint/2010/main" val="2466938788"/>
+        <p14:creationId xmlns:p14="http://schemas.microsoft.com/office/powerpoint/2010/main" val="4025473026"/>
       </p:ext>
     </p:extLst>
   </p:cSld>
@@ -955,6 +1036,9 @@
           <a:p>
             <a:endParaRPr lang="it-IT" dirty="0"/>
           </a:p>
+          <a:p>
+            <a:endParaRPr lang="it-IT" dirty="0"/>
+          </a:p>
         </p:txBody>
       </p:sp>
       <p:sp>
@@ -974,7 +1058,7 @@
           <a:p>
             <a:fld id="{F1494FE8-C3A5-1D49-9777-C117519B47D9}" type="slidenum">
               <a:rPr lang="it-IT" smtClean="0"/>
-              <a:t>11</a:t>
+              <a:t>10</a:t>
             </a:fld>
             <a:endParaRPr lang="it-IT"/>
           </a:p>
@@ -983,7 +1067,7 @@
     </p:spTree>
     <p:extLst>
       <p:ext uri="{BB962C8B-B14F-4D97-AF65-F5344CB8AC3E}">
-        <p14:creationId xmlns:p14="http://schemas.microsoft.com/office/powerpoint/2010/main" val="1112419817"/>
+        <p14:creationId xmlns:p14="http://schemas.microsoft.com/office/powerpoint/2010/main" val="2466938788"/>
       </p:ext>
     </p:extLst>
   </p:cSld>
@@ -1058,7 +1142,7 @@
           <a:p>
             <a:fld id="{F1494FE8-C3A5-1D49-9777-C117519B47D9}" type="slidenum">
               <a:rPr lang="it-IT" smtClean="0"/>
-              <a:t>13</a:t>
+              <a:t>11</a:t>
             </a:fld>
             <a:endParaRPr lang="it-IT"/>
           </a:p>
@@ -1067,7 +1151,7 @@
     </p:spTree>
     <p:extLst>
       <p:ext uri="{BB962C8B-B14F-4D97-AF65-F5344CB8AC3E}">
-        <p14:creationId xmlns:p14="http://schemas.microsoft.com/office/powerpoint/2010/main" val="45714646"/>
+        <p14:creationId xmlns:p14="http://schemas.microsoft.com/office/powerpoint/2010/main" val="1112419817"/>
       </p:ext>
     </p:extLst>
   </p:cSld>
@@ -1142,7 +1226,7 @@
           <a:p>
             <a:fld id="{F1494FE8-C3A5-1D49-9777-C117519B47D9}" type="slidenum">
               <a:rPr lang="it-IT" smtClean="0"/>
-              <a:t>17</a:t>
+              <a:t>13</a:t>
             </a:fld>
             <a:endParaRPr lang="it-IT"/>
           </a:p>
@@ -1151,7 +1235,7 @@
     </p:spTree>
     <p:extLst>
       <p:ext uri="{BB962C8B-B14F-4D97-AF65-F5344CB8AC3E}">
-        <p14:creationId xmlns:p14="http://schemas.microsoft.com/office/powerpoint/2010/main" val="3102052966"/>
+        <p14:creationId xmlns:p14="http://schemas.microsoft.com/office/powerpoint/2010/main" val="45714646"/>
       </p:ext>
     </p:extLst>
   </p:cSld>
@@ -1226,7 +1310,7 @@
           <a:p>
             <a:fld id="{F1494FE8-C3A5-1D49-9777-C117519B47D9}" type="slidenum">
               <a:rPr lang="it-IT" smtClean="0"/>
-              <a:t>20</a:t>
+              <a:t>17</a:t>
             </a:fld>
             <a:endParaRPr lang="it-IT"/>
           </a:p>
@@ -1235,7 +1319,7 @@
     </p:spTree>
     <p:extLst>
       <p:ext uri="{BB962C8B-B14F-4D97-AF65-F5344CB8AC3E}">
-        <p14:creationId xmlns:p14="http://schemas.microsoft.com/office/powerpoint/2010/main" val="2867970266"/>
+        <p14:creationId xmlns:p14="http://schemas.microsoft.com/office/powerpoint/2010/main" val="3102052966"/>
       </p:ext>
     </p:extLst>
   </p:cSld>
@@ -4241,7 +4325,7 @@
             <a:pPr algn="ctr"/>
             <a:r>
               <a:rPr lang="it-IT" dirty="0"/>
-              <a:t>Gestione riunioni</a:t>
+              <a:t>Gestione riunioni JS</a:t>
             </a:r>
           </a:p>
         </p:txBody>
